--- a/P_05_AlgorithmiqueProgrammation/01_Recursivite/TD_02/images/Figure.pptx
+++ b/P_05_AlgorithmiqueProgrammation/01_Recursivite/TD_02/images/Figure.pptx
@@ -6,6 +6,7 @@
   </p:sldMasterIdLst>
   <p:sldIdLst>
     <p:sldId id="256" r:id="rId2"/>
+    <p:sldId id="257" r:id="rId3"/>
   </p:sldIdLst>
   <p:sldSz cx="9144000" cy="6858000" type="screen4x3"/>
   <p:notesSz cx="6858000" cy="9144000"/>
@@ -288,7 +289,7 @@
           <a:p>
             <a:fld id="{AA309A6D-C09C-4548-B29A-6CF363A7E532}" type="datetimeFigureOut">
               <a:rPr lang="fr-FR" smtClean="0"/>
-              <a:t>03/11/2015</a:t>
+              <a:t>19/09/2016</a:t>
             </a:fld>
             <a:endParaRPr lang="fr-BE"/>
           </a:p>
@@ -453,7 +454,7 @@
           <a:p>
             <a:fld id="{AA309A6D-C09C-4548-B29A-6CF363A7E532}" type="datetimeFigureOut">
               <a:rPr lang="fr-FR" smtClean="0"/>
-              <a:t>03/11/2015</a:t>
+              <a:t>19/09/2016</a:t>
             </a:fld>
             <a:endParaRPr lang="fr-BE"/>
           </a:p>
@@ -628,7 +629,7 @@
           <a:p>
             <a:fld id="{AA309A6D-C09C-4548-B29A-6CF363A7E532}" type="datetimeFigureOut">
               <a:rPr lang="fr-FR" smtClean="0"/>
-              <a:t>03/11/2015</a:t>
+              <a:t>19/09/2016</a:t>
             </a:fld>
             <a:endParaRPr lang="fr-BE"/>
           </a:p>
@@ -793,7 +794,7 @@
           <a:p>
             <a:fld id="{AA309A6D-C09C-4548-B29A-6CF363A7E532}" type="datetimeFigureOut">
               <a:rPr lang="fr-FR" smtClean="0"/>
-              <a:t>03/11/2015</a:t>
+              <a:t>19/09/2016</a:t>
             </a:fld>
             <a:endParaRPr lang="fr-BE"/>
           </a:p>
@@ -1034,7 +1035,7 @@
           <a:p>
             <a:fld id="{AA309A6D-C09C-4548-B29A-6CF363A7E532}" type="datetimeFigureOut">
               <a:rPr lang="fr-FR" smtClean="0"/>
-              <a:t>03/11/2015</a:t>
+              <a:t>19/09/2016</a:t>
             </a:fld>
             <a:endParaRPr lang="fr-BE"/>
           </a:p>
@@ -1317,7 +1318,7 @@
           <a:p>
             <a:fld id="{AA309A6D-C09C-4548-B29A-6CF363A7E532}" type="datetimeFigureOut">
               <a:rPr lang="fr-FR" smtClean="0"/>
-              <a:t>03/11/2015</a:t>
+              <a:t>19/09/2016</a:t>
             </a:fld>
             <a:endParaRPr lang="fr-BE"/>
           </a:p>
@@ -1734,7 +1735,7 @@
           <a:p>
             <a:fld id="{AA309A6D-C09C-4548-B29A-6CF363A7E532}" type="datetimeFigureOut">
               <a:rPr lang="fr-FR" smtClean="0"/>
-              <a:t>03/11/2015</a:t>
+              <a:t>19/09/2016</a:t>
             </a:fld>
             <a:endParaRPr lang="fr-BE"/>
           </a:p>
@@ -1847,7 +1848,7 @@
           <a:p>
             <a:fld id="{AA309A6D-C09C-4548-B29A-6CF363A7E532}" type="datetimeFigureOut">
               <a:rPr lang="fr-FR" smtClean="0"/>
-              <a:t>03/11/2015</a:t>
+              <a:t>19/09/2016</a:t>
             </a:fld>
             <a:endParaRPr lang="fr-BE"/>
           </a:p>
@@ -1937,7 +1938,7 @@
           <a:p>
             <a:fld id="{AA309A6D-C09C-4548-B29A-6CF363A7E532}" type="datetimeFigureOut">
               <a:rPr lang="fr-FR" smtClean="0"/>
-              <a:t>03/11/2015</a:t>
+              <a:t>19/09/2016</a:t>
             </a:fld>
             <a:endParaRPr lang="fr-BE"/>
           </a:p>
@@ -2209,7 +2210,7 @@
           <a:p>
             <a:fld id="{AA309A6D-C09C-4548-B29A-6CF363A7E532}" type="datetimeFigureOut">
               <a:rPr lang="fr-FR" smtClean="0"/>
-              <a:t>03/11/2015</a:t>
+              <a:t>19/09/2016</a:t>
             </a:fld>
             <a:endParaRPr lang="fr-BE"/>
           </a:p>
@@ -2457,7 +2458,7 @@
           <a:p>
             <a:fld id="{AA309A6D-C09C-4548-B29A-6CF363A7E532}" type="datetimeFigureOut">
               <a:rPr lang="fr-FR" smtClean="0"/>
-              <a:t>03/11/2015</a:t>
+              <a:t>19/09/2016</a:t>
             </a:fld>
             <a:endParaRPr lang="fr-BE"/>
           </a:p>
@@ -2665,7 +2666,7 @@
           <a:p>
             <a:fld id="{AA309A6D-C09C-4548-B29A-6CF363A7E532}" type="datetimeFigureOut">
               <a:rPr lang="fr-FR" smtClean="0"/>
-              <a:t>03/11/2015</a:t>
+              <a:t>19/09/2016</a:t>
             </a:fld>
             <a:endParaRPr lang="fr-BE"/>
           </a:p>
@@ -5388,6 +5389,580 @@
 </p:sld>
 </file>
 
+<file path=ppt/slides/slide2.xml><?xml version="1.0" encoding="utf-8"?>
+<p:sld xmlns:a="http://schemas.openxmlformats.org/drawingml/2006/main" xmlns:r="http://schemas.openxmlformats.org/officeDocument/2006/relationships" xmlns:p="http://schemas.openxmlformats.org/presentationml/2006/main">
+  <p:cSld>
+    <p:spTree>
+      <p:nvGrpSpPr>
+        <p:cNvPr id="1" name=""/>
+        <p:cNvGrpSpPr/>
+        <p:nvPr/>
+      </p:nvGrpSpPr>
+      <p:grpSpPr>
+        <a:xfrm>
+          <a:off x="0" y="0"/>
+          <a:ext cx="0" cy="0"/>
+          <a:chOff x="0" y="0"/>
+          <a:chExt cx="0" cy="0"/>
+        </a:xfrm>
+      </p:grpSpPr>
+      <p:pic>
+        <p:nvPicPr>
+          <p:cNvPr id="1027" name="Picture 3"/>
+          <p:cNvPicPr>
+            <a:picLocks noChangeAspect="1" noChangeArrowheads="1"/>
+          </p:cNvPicPr>
+          <p:nvPr/>
+        </p:nvPicPr>
+        <p:blipFill>
+          <a:blip r:embed="rId2">
+            <a:extLst>
+              <a:ext uri="{28A0092B-C50C-407E-A947-70E740481C1C}">
+                <a14:useLocalDpi xmlns:a14="http://schemas.microsoft.com/office/drawing/2010/main" val="0"/>
+              </a:ext>
+            </a:extLst>
+          </a:blip>
+          <a:srcRect/>
+          <a:stretch>
+            <a:fillRect/>
+          </a:stretch>
+        </p:blipFill>
+        <p:spPr bwMode="auto">
+          <a:xfrm>
+            <a:off x="5743165" y="1532441"/>
+            <a:ext cx="2268000" cy="708172"/>
+          </a:xfrm>
+          <a:prstGeom prst="rect">
+            <a:avLst/>
+          </a:prstGeom>
+          <a:noFill/>
+          <a:ln>
+            <a:noFill/>
+          </a:ln>
+          <a:extLst>
+            <a:ext uri="{909E8E84-426E-40DD-AFC4-6F175D3DCCD1}">
+              <a14:hiddenFill xmlns:a14="http://schemas.microsoft.com/office/drawing/2010/main">
+                <a:solidFill>
+                  <a:schemeClr val="accent1"/>
+                </a:solidFill>
+              </a14:hiddenFill>
+            </a:ext>
+            <a:ext uri="{91240B29-F687-4F45-9708-019B960494DF}">
+              <a14:hiddenLine xmlns:a14="http://schemas.microsoft.com/office/drawing/2010/main" w="9525">
+                <a:solidFill>
+                  <a:schemeClr val="tx1"/>
+                </a:solidFill>
+                <a:miter lim="800000"/>
+                <a:headEnd/>
+                <a:tailEnd/>
+              </a14:hiddenLine>
+            </a:ext>
+          </a:extLst>
+        </p:spPr>
+      </p:pic>
+      <p:grpSp>
+        <p:nvGrpSpPr>
+          <p:cNvPr id="2" name="Groupe 1"/>
+          <p:cNvGrpSpPr/>
+          <p:nvPr/>
+        </p:nvGrpSpPr>
+        <p:grpSpPr>
+          <a:xfrm>
+            <a:off x="55202" y="1351281"/>
+            <a:ext cx="7973182" cy="916565"/>
+            <a:chOff x="1043608" y="764704"/>
+            <a:chExt cx="7973182" cy="916565"/>
+          </a:xfrm>
+        </p:grpSpPr>
+        <p:sp>
+          <p:nvSpPr>
+            <p:cNvPr id="6" name="ZoneTexte 5"/>
+            <p:cNvSpPr txBox="1"/>
+            <p:nvPr/>
+          </p:nvSpPr>
+          <p:spPr>
+            <a:xfrm>
+              <a:off x="1043608" y="1351801"/>
+              <a:ext cx="360040" cy="276999"/>
+            </a:xfrm>
+            <a:prstGeom prst="rect">
+              <a:avLst/>
+            </a:prstGeom>
+            <a:noFill/>
+          </p:spPr>
+          <p:txBody>
+            <a:bodyPr wrap="square" rtlCol="0">
+              <a:spAutoFit/>
+            </a:bodyPr>
+            <a:lstStyle/>
+            <a:p>
+              <a:r>
+                <a:rPr lang="fr-FR" sz="1200" dirty="0" smtClean="0"/>
+                <a:t>A</a:t>
+              </a:r>
+              <a:endParaRPr lang="fr-FR" sz="1200" dirty="0"/>
+            </a:p>
+          </p:txBody>
+        </p:sp>
+        <p:sp>
+          <p:nvSpPr>
+            <p:cNvPr id="7" name="ZoneTexte 6"/>
+            <p:cNvSpPr txBox="1"/>
+            <p:nvPr/>
+          </p:nvSpPr>
+          <p:spPr>
+            <a:xfrm>
+              <a:off x="3347864" y="1351800"/>
+              <a:ext cx="360040" cy="276999"/>
+            </a:xfrm>
+            <a:prstGeom prst="rect">
+              <a:avLst/>
+            </a:prstGeom>
+            <a:noFill/>
+          </p:spPr>
+          <p:txBody>
+            <a:bodyPr wrap="square" rtlCol="0">
+              <a:spAutoFit/>
+            </a:bodyPr>
+            <a:lstStyle/>
+            <a:p>
+              <a:r>
+                <a:rPr lang="fr-FR" sz="1200" dirty="0" smtClean="0"/>
+                <a:t>B</a:t>
+              </a:r>
+              <a:endParaRPr lang="fr-FR" sz="1200" dirty="0"/>
+            </a:p>
+          </p:txBody>
+        </p:sp>
+        <p:cxnSp>
+          <p:nvCxnSpPr>
+            <p:cNvPr id="8" name="Connecteur droit 7"/>
+            <p:cNvCxnSpPr/>
+            <p:nvPr/>
+          </p:nvCxnSpPr>
+          <p:spPr>
+            <a:xfrm>
+              <a:off x="1214762" y="1628800"/>
+              <a:ext cx="2268000" cy="0"/>
+            </a:xfrm>
+            <a:prstGeom prst="line">
+              <a:avLst/>
+            </a:prstGeom>
+            <a:ln w="12700">
+              <a:solidFill>
+                <a:schemeClr val="tx1"/>
+              </a:solidFill>
+            </a:ln>
+          </p:spPr>
+          <p:style>
+            <a:lnRef idx="1">
+              <a:schemeClr val="accent1"/>
+            </a:lnRef>
+            <a:fillRef idx="0">
+              <a:schemeClr val="accent1"/>
+            </a:fillRef>
+            <a:effectRef idx="0">
+              <a:schemeClr val="accent1"/>
+            </a:effectRef>
+            <a:fontRef idx="minor">
+              <a:schemeClr val="tx1"/>
+            </a:fontRef>
+          </p:style>
+        </p:cxnSp>
+        <p:cxnSp>
+          <p:nvCxnSpPr>
+            <p:cNvPr id="9" name="Connecteur droit 8"/>
+            <p:cNvCxnSpPr/>
+            <p:nvPr/>
+          </p:nvCxnSpPr>
+          <p:spPr>
+            <a:xfrm>
+              <a:off x="4067944" y="1630627"/>
+              <a:ext cx="756000" cy="0"/>
+            </a:xfrm>
+            <a:prstGeom prst="line">
+              <a:avLst/>
+            </a:prstGeom>
+            <a:ln w="12700">
+              <a:solidFill>
+                <a:schemeClr val="tx1"/>
+              </a:solidFill>
+            </a:ln>
+          </p:spPr>
+          <p:style>
+            <a:lnRef idx="1">
+              <a:schemeClr val="accent1"/>
+            </a:lnRef>
+            <a:fillRef idx="0">
+              <a:schemeClr val="accent1"/>
+            </a:fillRef>
+            <a:effectRef idx="0">
+              <a:schemeClr val="accent1"/>
+            </a:effectRef>
+            <a:fontRef idx="minor">
+              <a:schemeClr val="tx1"/>
+            </a:fontRef>
+          </p:style>
+        </p:cxnSp>
+        <p:cxnSp>
+          <p:nvCxnSpPr>
+            <p:cNvPr id="10" name="Connecteur droit 9"/>
+            <p:cNvCxnSpPr/>
+            <p:nvPr/>
+          </p:nvCxnSpPr>
+          <p:spPr>
+            <a:xfrm rot="7200000">
+              <a:off x="4634943" y="1303269"/>
+              <a:ext cx="756000" cy="0"/>
+            </a:xfrm>
+            <a:prstGeom prst="line">
+              <a:avLst/>
+            </a:prstGeom>
+            <a:ln w="12700">
+              <a:solidFill>
+                <a:schemeClr val="tx1"/>
+              </a:solidFill>
+            </a:ln>
+          </p:spPr>
+          <p:style>
+            <a:lnRef idx="1">
+              <a:schemeClr val="accent1"/>
+            </a:lnRef>
+            <a:fillRef idx="0">
+              <a:schemeClr val="accent1"/>
+            </a:fillRef>
+            <a:effectRef idx="0">
+              <a:schemeClr val="accent1"/>
+            </a:effectRef>
+            <a:fontRef idx="minor">
+              <a:schemeClr val="tx1"/>
+            </a:fontRef>
+          </p:style>
+        </p:cxnSp>
+        <p:cxnSp>
+          <p:nvCxnSpPr>
+            <p:cNvPr id="11" name="Connecteur droit 10"/>
+            <p:cNvCxnSpPr/>
+            <p:nvPr/>
+          </p:nvCxnSpPr>
+          <p:spPr>
+            <a:xfrm>
+              <a:off x="5579944" y="1630627"/>
+              <a:ext cx="756000" cy="0"/>
+            </a:xfrm>
+            <a:prstGeom prst="line">
+              <a:avLst/>
+            </a:prstGeom>
+            <a:ln w="12700">
+              <a:solidFill>
+                <a:schemeClr val="tx1"/>
+              </a:solidFill>
+            </a:ln>
+          </p:spPr>
+          <p:style>
+            <a:lnRef idx="1">
+              <a:schemeClr val="accent1"/>
+            </a:lnRef>
+            <a:fillRef idx="0">
+              <a:schemeClr val="accent1"/>
+            </a:fillRef>
+            <a:effectRef idx="0">
+              <a:schemeClr val="accent1"/>
+            </a:effectRef>
+            <a:fontRef idx="minor">
+              <a:schemeClr val="tx1"/>
+            </a:fontRef>
+          </p:style>
+        </p:cxnSp>
+        <p:cxnSp>
+          <p:nvCxnSpPr>
+            <p:cNvPr id="12" name="Connecteur droit 11"/>
+            <p:cNvCxnSpPr/>
+            <p:nvPr/>
+          </p:nvCxnSpPr>
+          <p:spPr>
+            <a:xfrm rot="3600000">
+              <a:off x="5012944" y="1303269"/>
+              <a:ext cx="756000" cy="0"/>
+            </a:xfrm>
+            <a:prstGeom prst="line">
+              <a:avLst/>
+            </a:prstGeom>
+            <a:ln w="12700">
+              <a:solidFill>
+                <a:schemeClr val="tx1"/>
+              </a:solidFill>
+            </a:ln>
+          </p:spPr>
+          <p:style>
+            <a:lnRef idx="1">
+              <a:schemeClr val="accent1"/>
+            </a:lnRef>
+            <a:fillRef idx="0">
+              <a:schemeClr val="accent1"/>
+            </a:fillRef>
+            <a:effectRef idx="0">
+              <a:schemeClr val="accent1"/>
+            </a:effectRef>
+            <a:fontRef idx="minor">
+              <a:schemeClr val="tx1"/>
+            </a:fontRef>
+          </p:style>
+        </p:cxnSp>
+        <p:sp>
+          <p:nvSpPr>
+            <p:cNvPr id="13" name="ZoneTexte 12"/>
+            <p:cNvSpPr txBox="1"/>
+            <p:nvPr/>
+          </p:nvSpPr>
+          <p:spPr>
+            <a:xfrm>
+              <a:off x="3887924" y="1353628"/>
+              <a:ext cx="360040" cy="276999"/>
+            </a:xfrm>
+            <a:prstGeom prst="rect">
+              <a:avLst/>
+            </a:prstGeom>
+            <a:noFill/>
+          </p:spPr>
+          <p:txBody>
+            <a:bodyPr wrap="square" rtlCol="0">
+              <a:spAutoFit/>
+            </a:bodyPr>
+            <a:lstStyle/>
+            <a:p>
+              <a:r>
+                <a:rPr lang="fr-FR" sz="1200" dirty="0" smtClean="0"/>
+                <a:t>A</a:t>
+              </a:r>
+              <a:endParaRPr lang="fr-FR" sz="1200" dirty="0"/>
+            </a:p>
+          </p:txBody>
+        </p:sp>
+        <p:sp>
+          <p:nvSpPr>
+            <p:cNvPr id="14" name="ZoneTexte 13"/>
+            <p:cNvSpPr txBox="1"/>
+            <p:nvPr/>
+          </p:nvSpPr>
+          <p:spPr>
+            <a:xfrm>
+              <a:off x="6228184" y="1351799"/>
+              <a:ext cx="360040" cy="276999"/>
+            </a:xfrm>
+            <a:prstGeom prst="rect">
+              <a:avLst/>
+            </a:prstGeom>
+            <a:noFill/>
+          </p:spPr>
+          <p:txBody>
+            <a:bodyPr wrap="square" rtlCol="0">
+              <a:spAutoFit/>
+            </a:bodyPr>
+            <a:lstStyle/>
+            <a:p>
+              <a:r>
+                <a:rPr lang="fr-FR" sz="1200" dirty="0" smtClean="0"/>
+                <a:t>B</a:t>
+              </a:r>
+              <a:endParaRPr lang="fr-FR" sz="1200" dirty="0"/>
+            </a:p>
+          </p:txBody>
+        </p:sp>
+        <p:sp>
+          <p:nvSpPr>
+            <p:cNvPr id="15" name="ZoneTexte 14"/>
+            <p:cNvSpPr txBox="1"/>
+            <p:nvPr/>
+          </p:nvSpPr>
+          <p:spPr>
+            <a:xfrm>
+              <a:off x="4644008" y="1368799"/>
+              <a:ext cx="360040" cy="276999"/>
+            </a:xfrm>
+            <a:prstGeom prst="rect">
+              <a:avLst/>
+            </a:prstGeom>
+            <a:noFill/>
+          </p:spPr>
+          <p:txBody>
+            <a:bodyPr wrap="square" rtlCol="0">
+              <a:spAutoFit/>
+            </a:bodyPr>
+            <a:lstStyle/>
+            <a:p>
+              <a:r>
+                <a:rPr lang="fr-FR" sz="1200" dirty="0" smtClean="0"/>
+                <a:t>C</a:t>
+              </a:r>
+              <a:endParaRPr lang="fr-FR" sz="1200" dirty="0"/>
+            </a:p>
+          </p:txBody>
+        </p:sp>
+        <p:sp>
+          <p:nvSpPr>
+            <p:cNvPr id="16" name="ZoneTexte 15"/>
+            <p:cNvSpPr txBox="1"/>
+            <p:nvPr/>
+          </p:nvSpPr>
+          <p:spPr>
+            <a:xfrm>
+              <a:off x="5508104" y="1353641"/>
+              <a:ext cx="360040" cy="276999"/>
+            </a:xfrm>
+            <a:prstGeom prst="rect">
+              <a:avLst/>
+            </a:prstGeom>
+            <a:noFill/>
+          </p:spPr>
+          <p:txBody>
+            <a:bodyPr wrap="square" rtlCol="0">
+              <a:spAutoFit/>
+            </a:bodyPr>
+            <a:lstStyle/>
+            <a:p>
+              <a:r>
+                <a:rPr lang="fr-FR" sz="1200" dirty="0" smtClean="0"/>
+                <a:t>D</a:t>
+              </a:r>
+              <a:endParaRPr lang="fr-FR" sz="1200" dirty="0"/>
+            </a:p>
+          </p:txBody>
+        </p:sp>
+        <p:sp>
+          <p:nvSpPr>
+            <p:cNvPr id="17" name="ZoneTexte 16"/>
+            <p:cNvSpPr txBox="1"/>
+            <p:nvPr/>
+          </p:nvSpPr>
+          <p:spPr>
+            <a:xfrm>
+              <a:off x="5076056" y="764704"/>
+              <a:ext cx="360040" cy="276999"/>
+            </a:xfrm>
+            <a:prstGeom prst="rect">
+              <a:avLst/>
+            </a:prstGeom>
+            <a:noFill/>
+          </p:spPr>
+          <p:txBody>
+            <a:bodyPr wrap="square" rtlCol="0">
+              <a:spAutoFit/>
+            </a:bodyPr>
+            <a:lstStyle/>
+            <a:p>
+              <a:r>
+                <a:rPr lang="fr-FR" sz="1200" dirty="0" smtClean="0"/>
+                <a:t>E</a:t>
+              </a:r>
+              <a:endParaRPr lang="fr-FR" sz="1200" dirty="0"/>
+            </a:p>
+          </p:txBody>
+        </p:sp>
+        <p:sp>
+          <p:nvSpPr>
+            <p:cNvPr id="18" name="ZoneTexte 17"/>
+            <p:cNvSpPr txBox="1"/>
+            <p:nvPr/>
+          </p:nvSpPr>
+          <p:spPr>
+            <a:xfrm>
+              <a:off x="1916714" y="908482"/>
+              <a:ext cx="864096" cy="276999"/>
+            </a:xfrm>
+            <a:prstGeom prst="rect">
+              <a:avLst/>
+            </a:prstGeom>
+            <a:noFill/>
+          </p:spPr>
+          <p:txBody>
+            <a:bodyPr wrap="square" rtlCol="0">
+              <a:spAutoFit/>
+            </a:bodyPr>
+            <a:lstStyle/>
+            <a:p>
+              <a:r>
+                <a:rPr lang="fr-FR" sz="1200" dirty="0" smtClean="0"/>
+                <a:t>Etape n=0</a:t>
+              </a:r>
+              <a:endParaRPr lang="fr-FR" sz="1200" dirty="0"/>
+            </a:p>
+          </p:txBody>
+        </p:sp>
+        <p:sp>
+          <p:nvSpPr>
+            <p:cNvPr id="19" name="ZoneTexte 18"/>
+            <p:cNvSpPr txBox="1"/>
+            <p:nvPr/>
+          </p:nvSpPr>
+          <p:spPr>
+            <a:xfrm>
+              <a:off x="5579944" y="837411"/>
+              <a:ext cx="864096" cy="276999"/>
+            </a:xfrm>
+            <a:prstGeom prst="rect">
+              <a:avLst/>
+            </a:prstGeom>
+            <a:noFill/>
+          </p:spPr>
+          <p:txBody>
+            <a:bodyPr wrap="square" rtlCol="0">
+              <a:spAutoFit/>
+            </a:bodyPr>
+            <a:lstStyle/>
+            <a:p>
+              <a:r>
+                <a:rPr lang="fr-FR" sz="1200" dirty="0" smtClean="0"/>
+                <a:t>Etape n=1</a:t>
+              </a:r>
+              <a:endParaRPr lang="fr-FR" sz="1200" dirty="0"/>
+            </a:p>
+          </p:txBody>
+        </p:sp>
+        <p:sp>
+          <p:nvSpPr>
+            <p:cNvPr id="20" name="ZoneTexte 19"/>
+            <p:cNvSpPr txBox="1"/>
+            <p:nvPr/>
+          </p:nvSpPr>
+          <p:spPr>
+            <a:xfrm>
+              <a:off x="8152694" y="885569"/>
+              <a:ext cx="864096" cy="276999"/>
+            </a:xfrm>
+            <a:prstGeom prst="rect">
+              <a:avLst/>
+            </a:prstGeom>
+            <a:noFill/>
+          </p:spPr>
+          <p:txBody>
+            <a:bodyPr wrap="square" rtlCol="0">
+              <a:spAutoFit/>
+            </a:bodyPr>
+            <a:lstStyle/>
+            <a:p>
+              <a:r>
+                <a:rPr lang="fr-FR" sz="1200" dirty="0" smtClean="0"/>
+                <a:t>Etape n=2</a:t>
+              </a:r>
+              <a:endParaRPr lang="fr-FR" sz="1200" dirty="0"/>
+            </a:p>
+          </p:txBody>
+        </p:sp>
+      </p:grpSp>
+    </p:spTree>
+    <p:extLst>
+      <p:ext uri="{BB962C8B-B14F-4D97-AF65-F5344CB8AC3E}">
+        <p14:creationId xmlns:p14="http://schemas.microsoft.com/office/powerpoint/2010/main" val="2098510106"/>
+      </p:ext>
+    </p:extLst>
+  </p:cSld>
+  <p:clrMapOvr>
+    <a:masterClrMapping/>
+  </p:clrMapOvr>
+</p:sld>
+</file>
+
 <file path=ppt/theme/theme1.xml><?xml version="1.0" encoding="utf-8"?>
 <a:theme xmlns:a="http://schemas.openxmlformats.org/drawingml/2006/main" name="Thème Office">
   <a:themeElements>
